--- a/Poker bemutató.pptx
+++ b/Poker bemutató.pptx
@@ -110,6 +110,11 @@
       </a:defRPr>
     </a:lvl9pPr>
   </p:defaultTextStyle>
+  <p:extLst>
+    <p:ext uri="{EFAFB233-063F-42B5-8137-9DF3F51BA10A}">
+      <p15:sldGuideLst xmlns:p15="http://schemas.microsoft.com/office/powerpoint/2012/main"/>
+    </p:ext>
+  </p:extLst>
 </p:presentation>
 </file>
 
@@ -260,7 +265,7 @@
           <a:p>
             <a:fld id="{61608B99-AD6B-444C-92E8-CD874CEBA4FF}" type="datetimeFigureOut">
               <a:rPr lang="hu-HU" smtClean="0"/>
-              <a:t>2023.02.24</a:t>
+              <a:t>2023. 02. 25.</a:t>
             </a:fld>
             <a:endParaRPr lang="hu-HU"/>
           </a:p>
@@ -458,7 +463,7 @@
           <a:p>
             <a:fld id="{61608B99-AD6B-444C-92E8-CD874CEBA4FF}" type="datetimeFigureOut">
               <a:rPr lang="hu-HU" smtClean="0"/>
-              <a:t>2023.02.24</a:t>
+              <a:t>2023. 02. 25.</a:t>
             </a:fld>
             <a:endParaRPr lang="hu-HU"/>
           </a:p>
@@ -666,7 +671,7 @@
           <a:p>
             <a:fld id="{61608B99-AD6B-444C-92E8-CD874CEBA4FF}" type="datetimeFigureOut">
               <a:rPr lang="hu-HU" smtClean="0"/>
-              <a:t>2023.02.24</a:t>
+              <a:t>2023. 02. 25.</a:t>
             </a:fld>
             <a:endParaRPr lang="hu-HU"/>
           </a:p>
@@ -864,7 +869,7 @@
           <a:p>
             <a:fld id="{61608B99-AD6B-444C-92E8-CD874CEBA4FF}" type="datetimeFigureOut">
               <a:rPr lang="hu-HU" smtClean="0"/>
-              <a:t>2023.02.24</a:t>
+              <a:t>2023. 02. 25.</a:t>
             </a:fld>
             <a:endParaRPr lang="hu-HU"/>
           </a:p>
@@ -1139,7 +1144,7 @@
           <a:p>
             <a:fld id="{61608B99-AD6B-444C-92E8-CD874CEBA4FF}" type="datetimeFigureOut">
               <a:rPr lang="hu-HU" smtClean="0"/>
-              <a:t>2023.02.24</a:t>
+              <a:t>2023. 02. 25.</a:t>
             </a:fld>
             <a:endParaRPr lang="hu-HU"/>
           </a:p>
@@ -1404,7 +1409,7 @@
           <a:p>
             <a:fld id="{61608B99-AD6B-444C-92E8-CD874CEBA4FF}" type="datetimeFigureOut">
               <a:rPr lang="hu-HU" smtClean="0"/>
-              <a:t>2023.02.24</a:t>
+              <a:t>2023. 02. 25.</a:t>
             </a:fld>
             <a:endParaRPr lang="hu-HU"/>
           </a:p>
@@ -1816,7 +1821,7 @@
           <a:p>
             <a:fld id="{61608B99-AD6B-444C-92E8-CD874CEBA4FF}" type="datetimeFigureOut">
               <a:rPr lang="hu-HU" smtClean="0"/>
-              <a:t>2023.02.24</a:t>
+              <a:t>2023. 02. 25.</a:t>
             </a:fld>
             <a:endParaRPr lang="hu-HU"/>
           </a:p>
@@ -1957,7 +1962,7 @@
           <a:p>
             <a:fld id="{61608B99-AD6B-444C-92E8-CD874CEBA4FF}" type="datetimeFigureOut">
               <a:rPr lang="hu-HU" smtClean="0"/>
-              <a:t>2023.02.24</a:t>
+              <a:t>2023. 02. 25.</a:t>
             </a:fld>
             <a:endParaRPr lang="hu-HU"/>
           </a:p>
@@ -2070,7 +2075,7 @@
           <a:p>
             <a:fld id="{61608B99-AD6B-444C-92E8-CD874CEBA4FF}" type="datetimeFigureOut">
               <a:rPr lang="hu-HU" smtClean="0"/>
-              <a:t>2023.02.24</a:t>
+              <a:t>2023. 02. 25.</a:t>
             </a:fld>
             <a:endParaRPr lang="hu-HU"/>
           </a:p>
@@ -2381,7 +2386,7 @@
           <a:p>
             <a:fld id="{61608B99-AD6B-444C-92E8-CD874CEBA4FF}" type="datetimeFigureOut">
               <a:rPr lang="hu-HU" smtClean="0"/>
-              <a:t>2023.02.24</a:t>
+              <a:t>2023. 02. 25.</a:t>
             </a:fld>
             <a:endParaRPr lang="hu-HU"/>
           </a:p>
@@ -2669,7 +2674,7 @@
           <a:p>
             <a:fld id="{61608B99-AD6B-444C-92E8-CD874CEBA4FF}" type="datetimeFigureOut">
               <a:rPr lang="hu-HU" smtClean="0"/>
-              <a:t>2023.02.24</a:t>
+              <a:t>2023. 02. 25.</a:t>
             </a:fld>
             <a:endParaRPr lang="hu-HU"/>
           </a:p>
@@ -2910,7 +2915,7 @@
           <a:p>
             <a:fld id="{61608B99-AD6B-444C-92E8-CD874CEBA4FF}" type="datetimeFigureOut">
               <a:rPr lang="hu-HU" smtClean="0"/>
-              <a:t>2023.02.24</a:t>
+              <a:t>2023. 02. 25.</a:t>
             </a:fld>
             <a:endParaRPr lang="hu-HU"/>
           </a:p>
@@ -4141,7 +4146,49 @@
                 </a:solidFill>
                 <a:latin typeface="Impact" panose="020B0806030902050204" pitchFamily="34" charset="0"/>
               </a:rPr>
-              <a:t>Póker x bottal</a:t>
+              <a:t>Póker </a:t>
+            </a:r>
+            <a:r>
+              <a:rPr lang="en-GB">
+                <a:ln w="3175">
+                  <a:solidFill>
+                    <a:schemeClr val="tx1"/>
+                  </a:solidFill>
+                </a:ln>
+                <a:solidFill>
+                  <a:schemeClr val="bg1"/>
+                </a:solidFill>
+                <a:latin typeface="Impact" panose="020B0806030902050204" pitchFamily="34" charset="0"/>
+              </a:rPr>
+              <a:t>5</a:t>
+            </a:r>
+            <a:r>
+              <a:rPr lang="hu-HU">
+                <a:ln w="3175">
+                  <a:solidFill>
+                    <a:schemeClr val="tx1"/>
+                  </a:solidFill>
+                </a:ln>
+                <a:solidFill>
+                  <a:schemeClr val="bg1"/>
+                </a:solidFill>
+                <a:latin typeface="Impact" panose="020B0806030902050204" pitchFamily="34" charset="0"/>
+              </a:rPr>
+              <a:t> </a:t>
+            </a:r>
+            <a:r>
+              <a:rPr lang="hu-HU" dirty="0">
+                <a:ln w="3175">
+                  <a:solidFill>
+                    <a:schemeClr val="tx1"/>
+                  </a:solidFill>
+                </a:ln>
+                <a:solidFill>
+                  <a:schemeClr val="bg1"/>
+                </a:solidFill>
+                <a:latin typeface="Impact" panose="020B0806030902050204" pitchFamily="34" charset="0"/>
+              </a:rPr>
+              <a:t>bottal</a:t>
             </a:r>
           </a:p>
           <a:p>
@@ -4515,6 +4562,53 @@
           <a:chExt cx="0" cy="0"/>
         </a:xfrm>
       </p:grpSpPr>
+      <p:pic>
+        <p:nvPicPr>
+          <p:cNvPr id="1026" name="Picture 2" descr="How to play poker: the basic rules common to all types of poker">
+            <a:extLst>
+              <a:ext uri="{FF2B5EF4-FFF2-40B4-BE49-F238E27FC236}">
+                <a16:creationId xmlns:a16="http://schemas.microsoft.com/office/drawing/2014/main" id="{9F02FE0D-692F-465B-BE8E-675D224F0980}"/>
+              </a:ext>
+            </a:extLst>
+          </p:cNvPr>
+          <p:cNvPicPr>
+            <a:picLocks noChangeAspect="1" noChangeArrowheads="1"/>
+          </p:cNvPicPr>
+          <p:nvPr/>
+        </p:nvPicPr>
+        <p:blipFill>
+          <a:blip r:embed="rId2">
+            <a:extLst>
+              <a:ext uri="{28A0092B-C50C-407E-A947-70E740481C1C}">
+                <a14:useLocalDpi xmlns:a14="http://schemas.microsoft.com/office/drawing/2010/main" val="0"/>
+              </a:ext>
+            </a:extLst>
+          </a:blip>
+          <a:srcRect/>
+          <a:stretch>
+            <a:fillRect/>
+          </a:stretch>
+        </p:blipFill>
+        <p:spPr bwMode="auto">
+          <a:xfrm>
+            <a:off x="0" y="0"/>
+            <a:ext cx="12192000" cy="6858000"/>
+          </a:xfrm>
+          <a:prstGeom prst="rect">
+            <a:avLst/>
+          </a:prstGeom>
+          <a:noFill/>
+          <a:extLst>
+            <a:ext uri="{909E8E84-426E-40DD-AFC4-6F175D3DCCD1}">
+              <a14:hiddenFill xmlns:a14="http://schemas.microsoft.com/office/drawing/2010/main">
+                <a:solidFill>
+                  <a:srgbClr val="FFFFFF"/>
+                </a:solidFill>
+              </a14:hiddenFill>
+            </a:ext>
+          </a:extLst>
+        </p:spPr>
+      </p:pic>
       <p:sp>
         <p:nvSpPr>
           <p:cNvPr id="2" name="Cím 1">
@@ -4533,49 +4627,92 @@
         </p:nvSpPr>
         <p:spPr/>
         <p:txBody>
-          <a:bodyPr/>
-          <a:lstStyle/>
-          <a:p>
-            <a:r>
-              <a:rPr lang="hu-HU" dirty="0"/>
+          <a:bodyPr>
+            <a:normAutofit/>
+          </a:bodyPr>
+          <a:lstStyle/>
+          <a:p>
+            <a:r>
+              <a:rPr lang="hu-HU" dirty="0">
+                <a:ln w="3175">
+                  <a:solidFill>
+                    <a:schemeClr val="tx1"/>
+                  </a:solidFill>
+                </a:ln>
+                <a:solidFill>
+                  <a:schemeClr val="bg1"/>
+                </a:solidFill>
+                <a:latin typeface="Impact" panose="020B0806030902050204" pitchFamily="34" charset="0"/>
+                <a:ea typeface="+mn-ea"/>
+                <a:cs typeface="+mn-cs"/>
+              </a:rPr>
               <a:t>Az alkalmazás kinézete:</a:t>
             </a:r>
           </a:p>
         </p:txBody>
       </p:sp>
-      <p:sp>
-        <p:nvSpPr>
-          <p:cNvPr id="3" name="Tartalom helye 2">
-            <a:extLst>
-              <a:ext uri="{FF2B5EF4-FFF2-40B4-BE49-F238E27FC236}">
-                <a16:creationId xmlns:a16="http://schemas.microsoft.com/office/drawing/2014/main" id="{CCD02B62-EB55-4989-93A0-5162BECF5C0C}"/>
-              </a:ext>
-            </a:extLst>
-          </p:cNvPr>
-          <p:cNvSpPr>
-            <a:spLocks noGrp="1"/>
-          </p:cNvSpPr>
+      <p:pic>
+        <p:nvPicPr>
+          <p:cNvPr id="4" name="Tartalom helye 3">
+            <a:extLst>
+              <a:ext uri="{FF2B5EF4-FFF2-40B4-BE49-F238E27FC236}">
+                <a16:creationId xmlns:a16="http://schemas.microsoft.com/office/drawing/2014/main" id="{31AECCB6-5C64-4E36-8873-4C829E7E0E31}"/>
+              </a:ext>
+            </a:extLst>
+          </p:cNvPr>
+          <p:cNvPicPr>
+            <a:picLocks noGrp="1" noChangeAspect="1"/>
+          </p:cNvPicPr>
           <p:nvPr>
             <p:ph idx="1"/>
           </p:nvPr>
-        </p:nvSpPr>
-        <p:spPr/>
-        <p:txBody>
-          <a:bodyPr/>
-          <a:lstStyle/>
-          <a:p>
-            <a:r>
-              <a:rPr lang="hu-HU" dirty="0"/>
-              <a:t>Ide rakom majd a </a:t>
-            </a:r>
-            <a:r>
-              <a:rPr lang="hu-HU" dirty="0" err="1"/>
-              <a:t>figmát</a:t>
-            </a:r>
-            <a:endParaRPr lang="hu-HU" dirty="0"/>
-          </a:p>
-        </p:txBody>
-      </p:sp>
+        </p:nvPicPr>
+        <p:blipFill>
+          <a:blip r:embed="rId3"/>
+          <a:stretch>
+            <a:fillRect/>
+          </a:stretch>
+        </p:blipFill>
+        <p:spPr>
+          <a:xfrm>
+            <a:off x="838200" y="2055813"/>
+            <a:ext cx="5016256" cy="3565499"/>
+          </a:xfrm>
+          <a:prstGeom prst="rect">
+            <a:avLst/>
+          </a:prstGeom>
+        </p:spPr>
+      </p:pic>
+      <p:pic>
+        <p:nvPicPr>
+          <p:cNvPr id="5" name="Kép 4">
+            <a:extLst>
+              <a:ext uri="{FF2B5EF4-FFF2-40B4-BE49-F238E27FC236}">
+                <a16:creationId xmlns:a16="http://schemas.microsoft.com/office/drawing/2014/main" id="{7160C716-7765-49BC-9868-768D7915E345}"/>
+              </a:ext>
+            </a:extLst>
+          </p:cNvPr>
+          <p:cNvPicPr>
+            <a:picLocks noChangeAspect="1"/>
+          </p:cNvPicPr>
+          <p:nvPr/>
+        </p:nvPicPr>
+        <p:blipFill>
+          <a:blip r:embed="rId4"/>
+          <a:stretch>
+            <a:fillRect/>
+          </a:stretch>
+        </p:blipFill>
+        <p:spPr>
+          <a:xfrm>
+            <a:off x="6337544" y="2044780"/>
+            <a:ext cx="5016256" cy="3576532"/>
+          </a:xfrm>
+          <a:prstGeom prst="rect">
+            <a:avLst/>
+          </a:prstGeom>
+        </p:spPr>
+      </p:pic>
     </p:spTree>
     <p:extLst>
       <p:ext uri="{BB962C8B-B14F-4D97-AF65-F5344CB8AC3E}">

--- a/Poker bemutató.pptx
+++ b/Poker bemutató.pptx
@@ -265,7 +265,7 @@
           <a:p>
             <a:fld id="{61608B99-AD6B-444C-92E8-CD874CEBA4FF}" type="datetimeFigureOut">
               <a:rPr lang="hu-HU" smtClean="0"/>
-              <a:t>2023. 02. 25.</a:t>
+              <a:t>2023.02.27</a:t>
             </a:fld>
             <a:endParaRPr lang="hu-HU"/>
           </a:p>
@@ -463,7 +463,7 @@
           <a:p>
             <a:fld id="{61608B99-AD6B-444C-92E8-CD874CEBA4FF}" type="datetimeFigureOut">
               <a:rPr lang="hu-HU" smtClean="0"/>
-              <a:t>2023. 02. 25.</a:t>
+              <a:t>2023.02.27</a:t>
             </a:fld>
             <a:endParaRPr lang="hu-HU"/>
           </a:p>
@@ -671,7 +671,7 @@
           <a:p>
             <a:fld id="{61608B99-AD6B-444C-92E8-CD874CEBA4FF}" type="datetimeFigureOut">
               <a:rPr lang="hu-HU" smtClean="0"/>
-              <a:t>2023. 02. 25.</a:t>
+              <a:t>2023.02.27</a:t>
             </a:fld>
             <a:endParaRPr lang="hu-HU"/>
           </a:p>
@@ -869,7 +869,7 @@
           <a:p>
             <a:fld id="{61608B99-AD6B-444C-92E8-CD874CEBA4FF}" type="datetimeFigureOut">
               <a:rPr lang="hu-HU" smtClean="0"/>
-              <a:t>2023. 02. 25.</a:t>
+              <a:t>2023.02.27</a:t>
             </a:fld>
             <a:endParaRPr lang="hu-HU"/>
           </a:p>
@@ -1144,7 +1144,7 @@
           <a:p>
             <a:fld id="{61608B99-AD6B-444C-92E8-CD874CEBA4FF}" type="datetimeFigureOut">
               <a:rPr lang="hu-HU" smtClean="0"/>
-              <a:t>2023. 02. 25.</a:t>
+              <a:t>2023.02.27</a:t>
             </a:fld>
             <a:endParaRPr lang="hu-HU"/>
           </a:p>
@@ -1409,7 +1409,7 @@
           <a:p>
             <a:fld id="{61608B99-AD6B-444C-92E8-CD874CEBA4FF}" type="datetimeFigureOut">
               <a:rPr lang="hu-HU" smtClean="0"/>
-              <a:t>2023. 02. 25.</a:t>
+              <a:t>2023.02.27</a:t>
             </a:fld>
             <a:endParaRPr lang="hu-HU"/>
           </a:p>
@@ -1821,7 +1821,7 @@
           <a:p>
             <a:fld id="{61608B99-AD6B-444C-92E8-CD874CEBA4FF}" type="datetimeFigureOut">
               <a:rPr lang="hu-HU" smtClean="0"/>
-              <a:t>2023. 02. 25.</a:t>
+              <a:t>2023.02.27</a:t>
             </a:fld>
             <a:endParaRPr lang="hu-HU"/>
           </a:p>
@@ -1962,7 +1962,7 @@
           <a:p>
             <a:fld id="{61608B99-AD6B-444C-92E8-CD874CEBA4FF}" type="datetimeFigureOut">
               <a:rPr lang="hu-HU" smtClean="0"/>
-              <a:t>2023. 02. 25.</a:t>
+              <a:t>2023.02.27</a:t>
             </a:fld>
             <a:endParaRPr lang="hu-HU"/>
           </a:p>
@@ -2075,7 +2075,7 @@
           <a:p>
             <a:fld id="{61608B99-AD6B-444C-92E8-CD874CEBA4FF}" type="datetimeFigureOut">
               <a:rPr lang="hu-HU" smtClean="0"/>
-              <a:t>2023. 02. 25.</a:t>
+              <a:t>2023.02.27</a:t>
             </a:fld>
             <a:endParaRPr lang="hu-HU"/>
           </a:p>
@@ -2386,7 +2386,7 @@
           <a:p>
             <a:fld id="{61608B99-AD6B-444C-92E8-CD874CEBA4FF}" type="datetimeFigureOut">
               <a:rPr lang="hu-HU" smtClean="0"/>
-              <a:t>2023. 02. 25.</a:t>
+              <a:t>2023.02.27</a:t>
             </a:fld>
             <a:endParaRPr lang="hu-HU"/>
           </a:p>
@@ -2674,7 +2674,7 @@
           <a:p>
             <a:fld id="{61608B99-AD6B-444C-92E8-CD874CEBA4FF}" type="datetimeFigureOut">
               <a:rPr lang="hu-HU" smtClean="0"/>
-              <a:t>2023. 02. 25.</a:t>
+              <a:t>2023.02.27</a:t>
             </a:fld>
             <a:endParaRPr lang="hu-HU"/>
           </a:p>
@@ -2915,7 +2915,7 @@
           <a:p>
             <a:fld id="{61608B99-AD6B-444C-92E8-CD874CEBA4FF}" type="datetimeFigureOut">
               <a:rPr lang="hu-HU" smtClean="0"/>
-              <a:t>2023. 02. 25.</a:t>
+              <a:t>2023.02.27</a:t>
             </a:fld>
             <a:endParaRPr lang="hu-HU"/>
           </a:p>
@@ -4653,19 +4653,17 @@
       </p:sp>
       <p:pic>
         <p:nvPicPr>
-          <p:cNvPr id="4" name="Tartalom helye 3">
-            <a:extLst>
-              <a:ext uri="{FF2B5EF4-FFF2-40B4-BE49-F238E27FC236}">
-                <a16:creationId xmlns:a16="http://schemas.microsoft.com/office/drawing/2014/main" id="{31AECCB6-5C64-4E36-8873-4C829E7E0E31}"/>
+          <p:cNvPr id="7" name="Kép 6">
+            <a:extLst>
+              <a:ext uri="{FF2B5EF4-FFF2-40B4-BE49-F238E27FC236}">
+                <a16:creationId xmlns:a16="http://schemas.microsoft.com/office/drawing/2014/main" id="{81647261-994B-4AEA-AD95-DAF1893977C6}"/>
               </a:ext>
             </a:extLst>
           </p:cNvPr>
           <p:cNvPicPr>
-            <a:picLocks noGrp="1" noChangeAspect="1"/>
+            <a:picLocks noChangeAspect="1"/>
           </p:cNvPicPr>
-          <p:nvPr>
-            <p:ph idx="1"/>
-          </p:nvPr>
+          <p:nvPr/>
         </p:nvPicPr>
         <p:blipFill>
           <a:blip r:embed="rId3"/>
@@ -4675,8 +4673,8 @@
         </p:blipFill>
         <p:spPr>
           <a:xfrm>
-            <a:off x="838200" y="2055813"/>
-            <a:ext cx="5016256" cy="3565499"/>
+            <a:off x="890303" y="2044780"/>
+            <a:ext cx="5028141" cy="3565499"/>
           </a:xfrm>
           <a:prstGeom prst="rect">
             <a:avLst/>
@@ -4685,10 +4683,10 @@
       </p:pic>
       <p:pic>
         <p:nvPicPr>
-          <p:cNvPr id="5" name="Kép 4">
-            <a:extLst>
-              <a:ext uri="{FF2B5EF4-FFF2-40B4-BE49-F238E27FC236}">
-                <a16:creationId xmlns:a16="http://schemas.microsoft.com/office/drawing/2014/main" id="{7160C716-7765-49BC-9868-768D7915E345}"/>
+          <p:cNvPr id="8" name="Kép 7">
+            <a:extLst>
+              <a:ext uri="{FF2B5EF4-FFF2-40B4-BE49-F238E27FC236}">
+                <a16:creationId xmlns:a16="http://schemas.microsoft.com/office/drawing/2014/main" id="{8C35B5C3-D0E4-47F5-8685-DD7AAE6CBA11}"/>
               </a:ext>
             </a:extLst>
           </p:cNvPr>
@@ -4705,8 +4703,8 @@
         </p:blipFill>
         <p:spPr>
           <a:xfrm>
-            <a:off x="6337544" y="2044780"/>
-            <a:ext cx="5016256" cy="3576532"/>
+            <a:off x="6400800" y="2042357"/>
+            <a:ext cx="4953000" cy="3567922"/>
           </a:xfrm>
           <a:prstGeom prst="rect">
             <a:avLst/>
